--- a/slides/7_kubernetes_extra.pptx
+++ b/slides/7_kubernetes_extra.pptx
@@ -204,7 +204,7 @@
           <a:p>
             <a:fld id="{12FF4958-73A8-0C45-B2CC-0B28C61919BB}" type="datetimeFigureOut">
               <a:rPr lang="en-US" smtClean="0"/>
-              <a:t>4/28/22</a:t>
+              <a:t>4/29/22</a:t>
             </a:fld>
             <a:endParaRPr lang="en-US"/>
           </a:p>
@@ -618,7 +618,7 @@
           <a:p>
             <a:fld id="{09526E05-9BF9-6F4A-9C51-17A9BEC64631}" type="datetime1">
               <a:rPr lang="en-US" smtClean="0"/>
-              <a:t>4/28/22</a:t>
+              <a:t>4/29/22</a:t>
             </a:fld>
             <a:endParaRPr lang="en-US"/>
           </a:p>
@@ -819,7 +819,7 @@
           <a:p>
             <a:fld id="{362A50B0-E835-154A-959E-8B2DB7894DC8}" type="datetime1">
               <a:rPr lang="en-US" smtClean="0"/>
-              <a:t>4/28/22</a:t>
+              <a:t>4/29/22</a:t>
             </a:fld>
             <a:endParaRPr lang="en-US"/>
           </a:p>
@@ -1030,7 +1030,7 @@
           <a:p>
             <a:fld id="{73FDEE25-127D-1E41-87D6-38E2FD128440}" type="datetime1">
               <a:rPr lang="en-US" smtClean="0"/>
-              <a:t>4/28/22</a:t>
+              <a:t>4/29/22</a:t>
             </a:fld>
             <a:endParaRPr lang="en-US"/>
           </a:p>
@@ -1231,7 +1231,7 @@
           <a:p>
             <a:fld id="{782C1029-28C7-934A-AE9E-78F51238A091}" type="datetime1">
               <a:rPr lang="en-US" smtClean="0"/>
-              <a:t>4/28/22</a:t>
+              <a:t>4/29/22</a:t>
             </a:fld>
             <a:endParaRPr lang="en-US"/>
           </a:p>
@@ -1509,7 +1509,7 @@
           <a:p>
             <a:fld id="{F76E88D8-53BD-604D-B3A9-86D23B8F20B9}" type="datetime1">
               <a:rPr lang="en-US" smtClean="0"/>
-              <a:t>4/28/22</a:t>
+              <a:t>4/29/22</a:t>
             </a:fld>
             <a:endParaRPr lang="en-US"/>
           </a:p>
@@ -1777,7 +1777,7 @@
           <a:p>
             <a:fld id="{5C2A1040-7EF3-5E46-A78A-62EE14D45192}" type="datetime1">
               <a:rPr lang="en-US" smtClean="0"/>
-              <a:t>4/28/22</a:t>
+              <a:t>4/29/22</a:t>
             </a:fld>
             <a:endParaRPr lang="en-US"/>
           </a:p>
@@ -2192,7 +2192,7 @@
           <a:p>
             <a:fld id="{0107DE9D-24B8-2441-A01C-465F71DF4FC3}" type="datetime1">
               <a:rPr lang="en-US" smtClean="0"/>
-              <a:t>4/28/22</a:t>
+              <a:t>4/29/22</a:t>
             </a:fld>
             <a:endParaRPr lang="en-US"/>
           </a:p>
@@ -2336,7 +2336,7 @@
           <a:p>
             <a:fld id="{5D6CD78E-B72D-D54D-B81A-8408B5E705FE}" type="datetime1">
               <a:rPr lang="en-US" smtClean="0"/>
-              <a:t>4/28/22</a:t>
+              <a:t>4/29/22</a:t>
             </a:fld>
             <a:endParaRPr lang="en-US"/>
           </a:p>
@@ -2452,7 +2452,7 @@
           <a:p>
             <a:fld id="{B045B29E-8BBD-144D-B8D7-7499ABDF68AF}" type="datetime1">
               <a:rPr lang="en-US" smtClean="0"/>
-              <a:t>4/28/22</a:t>
+              <a:t>4/29/22</a:t>
             </a:fld>
             <a:endParaRPr lang="en-US"/>
           </a:p>
@@ -2766,7 +2766,7 @@
           <a:p>
             <a:fld id="{A5660514-DE25-FE40-8B77-24851EC34DAC}" type="datetime1">
               <a:rPr lang="en-US" smtClean="0"/>
-              <a:t>4/28/22</a:t>
+              <a:t>4/29/22</a:t>
             </a:fld>
             <a:endParaRPr lang="en-US"/>
           </a:p>
@@ -3057,7 +3057,7 @@
           <a:p>
             <a:fld id="{BA7BCEC6-D19D-1149-95D5-E1606B5FAED8}" type="datetime1">
               <a:rPr lang="en-US" smtClean="0"/>
-              <a:t>4/28/22</a:t>
+              <a:t>4/29/22</a:t>
             </a:fld>
             <a:endParaRPr lang="en-US"/>
           </a:p>
@@ -3301,7 +3301,7 @@
           <a:p>
             <a:fld id="{6FFDB603-5BF2-4D40-9781-8E48DAFAAACA}" type="datetime1">
               <a:rPr lang="en-US" smtClean="0"/>
-              <a:t>4/28/22</a:t>
+              <a:t>4/29/22</a:t>
             </a:fld>
             <a:endParaRPr lang="en-US"/>
           </a:p>
@@ -4798,9 +4798,9 @@
           </a:p>
           <a:p>
             <a:r>
-              <a:rPr lang="en-US" dirty="0">
+              <a:rPr lang="en-US" b="1" dirty="0">
                 <a:solidFill>
-                  <a:schemeClr val="tx2"/>
+                  <a:schemeClr val="accent1"/>
                 </a:solidFill>
               </a:rPr>
               <a:t>Kubernetes has become an industry standard</a:t>
@@ -4810,7 +4810,7 @@
             <a:pPr lvl="1"/>
             <a:r>
               <a:rPr lang="en-US" sz="2800" dirty="0"/>
-              <a:t>Many project build on top of it to deliver additional capabilities</a:t>
+              <a:t>Many projects build on top of it to deliver additional capabilities</a:t>
             </a:r>
             <a:br>
               <a:rPr lang="en-US" sz="2800" dirty="0"/>
@@ -6003,7 +6003,7 @@
             <a:pPr lvl="1"/>
             <a:r>
               <a:rPr lang="en-US" dirty="0"/>
-              <a:t>Hiding underlying resource provisioning behind a Web portal</a:t>
+              <a:t>Hides underlying resource provisioning behind a Web portal</a:t>
             </a:r>
           </a:p>
           <a:p>
@@ -6726,8 +6726,8 @@
         </p:nvSpPr>
         <p:spPr>
           <a:xfrm>
-            <a:off x="838200" y="2753935"/>
-            <a:ext cx="10515600" cy="3698820"/>
+            <a:off x="838200" y="2628900"/>
+            <a:ext cx="10515600" cy="3823855"/>
           </a:xfrm>
         </p:spPr>
         <p:txBody>
@@ -6798,6 +6798,43 @@
           </a:p>
           <a:p>
             <a:pPr lvl="1"/>
+            <a:endParaRPr lang="en-US" dirty="0"/>
+          </a:p>
+        </p:txBody>
+      </p:sp>
+      <p:sp>
+        <p:nvSpPr>
+          <p:cNvPr id="3" name="Rectangle 2">
+            <a:extLst>
+              <a:ext uri="{FF2B5EF4-FFF2-40B4-BE49-F238E27FC236}">
+                <a16:creationId xmlns:a16="http://schemas.microsoft.com/office/drawing/2014/main" id="{26DE05A5-F7EA-E7D5-5B5B-9FB013AF9471}"/>
+              </a:ext>
+            </a:extLst>
+          </p:cNvPr>
+          <p:cNvSpPr/>
+          <p:nvPr/>
+        </p:nvSpPr>
+        <p:spPr>
+          <a:xfrm>
+            <a:off x="6601017" y="5846163"/>
+            <a:ext cx="4300665" cy="369332"/>
+          </a:xfrm>
+          <a:prstGeom prst="rect">
+            <a:avLst/>
+          </a:prstGeom>
+        </p:spPr>
+        <p:txBody>
+          <a:bodyPr wrap="none">
+            <a:spAutoFit/>
+          </a:bodyPr>
+          <a:lstStyle/>
+          <a:p>
+            <a:r>
+              <a:rPr lang="en-US" dirty="0">
+                <a:hlinkClick r:id="rId3"/>
+              </a:rPr>
+              <a:t>https://doi.org/10.48550/arXiv.2205.01004</a:t>
+            </a:r>
             <a:endParaRPr lang="en-US" dirty="0"/>
           </a:p>
         </p:txBody>
